--- a/The Battle of Neighborhoods - Presentation.pptx
+++ b/The Battle of Neighborhoods - Presentation.pptx
@@ -113,6 +113,11 @@
       </a:defRPr>
     </a:lvl9pPr>
   </p:defaultTextStyle>
+  <p:extLst>
+    <p:ext uri="{EFAFB233-063F-42B5-8137-9DF3F51BA10A}">
+      <p15:sldGuideLst xmlns:p15="http://schemas.microsoft.com/office/powerpoint/2012/main"/>
+    </p:ext>
+  </p:extLst>
 </p:presentation>
 </file>
 
@@ -1098,10 +1103,24 @@
     <dgm:pt modelId="{0DD5A41A-57C3-41A2-B6EC-85A58018C820}" type="pres">
       <dgm:prSet presAssocID="{7294737E-C2E0-4B7C-AD79-122E2E729FEE}" presName="sibTrans" presStyleLbl="sibTrans2D1" presStyleIdx="0" presStyleCnt="3"/>
       <dgm:spPr/>
+      <dgm:t>
+        <a:bodyPr/>
+        <a:lstStyle/>
+        <a:p>
+          <a:endParaRPr lang="en-US"/>
+        </a:p>
+      </dgm:t>
     </dgm:pt>
     <dgm:pt modelId="{C27B8A6F-AD1B-4B99-ACA3-AF14DA36F0C1}" type="pres">
       <dgm:prSet presAssocID="{7294737E-C2E0-4B7C-AD79-122E2E729FEE}" presName="connectorText" presStyleLbl="sibTrans2D1" presStyleIdx="0" presStyleCnt="3"/>
       <dgm:spPr/>
+      <dgm:t>
+        <a:bodyPr/>
+        <a:lstStyle/>
+        <a:p>
+          <a:endParaRPr lang="en-US"/>
+        </a:p>
+      </dgm:t>
     </dgm:pt>
     <dgm:pt modelId="{BC404E3E-6C77-4DF4-9B23-D300BCA4A78E}" type="pres">
       <dgm:prSet presAssocID="{7F8B8499-D76E-4478-97A9-DD9A2D60B5CF}" presName="node" presStyleLbl="node1" presStyleIdx="1" presStyleCnt="4">
@@ -1121,10 +1140,24 @@
     <dgm:pt modelId="{CFA05E7D-EE6B-4947-B5B9-2E8A00A5B8E3}" type="pres">
       <dgm:prSet presAssocID="{97325CAC-B90E-43A6-93B5-A1DCD10FF807}" presName="sibTrans" presStyleLbl="sibTrans2D1" presStyleIdx="1" presStyleCnt="3"/>
       <dgm:spPr/>
+      <dgm:t>
+        <a:bodyPr/>
+        <a:lstStyle/>
+        <a:p>
+          <a:endParaRPr lang="en-US"/>
+        </a:p>
+      </dgm:t>
     </dgm:pt>
     <dgm:pt modelId="{8E0EBE07-BEA2-4173-8D0E-00E59AEAD4DE}" type="pres">
       <dgm:prSet presAssocID="{97325CAC-B90E-43A6-93B5-A1DCD10FF807}" presName="connectorText" presStyleLbl="sibTrans2D1" presStyleIdx="1" presStyleCnt="3"/>
       <dgm:spPr/>
+      <dgm:t>
+        <a:bodyPr/>
+        <a:lstStyle/>
+        <a:p>
+          <a:endParaRPr lang="en-US"/>
+        </a:p>
+      </dgm:t>
     </dgm:pt>
     <dgm:pt modelId="{D80F49C0-03F4-480C-8EC6-2D7C71CDB3B5}" type="pres">
       <dgm:prSet presAssocID="{1F0BBB65-C54B-4B49-A061-BE6803DF23FF}" presName="node" presStyleLbl="node1" presStyleIdx="2" presStyleCnt="4">
@@ -1144,10 +1177,24 @@
     <dgm:pt modelId="{2B6ED17F-E7EC-4328-A574-B7CB3AB6DFB1}" type="pres">
       <dgm:prSet presAssocID="{634EE2FF-E1AD-47D2-ACCC-A84CCECB66BF}" presName="sibTrans" presStyleLbl="sibTrans2D1" presStyleIdx="2" presStyleCnt="3"/>
       <dgm:spPr/>
+      <dgm:t>
+        <a:bodyPr/>
+        <a:lstStyle/>
+        <a:p>
+          <a:endParaRPr lang="en-US"/>
+        </a:p>
+      </dgm:t>
     </dgm:pt>
     <dgm:pt modelId="{15C1F68C-1955-4009-A391-30A308E3BFB8}" type="pres">
       <dgm:prSet presAssocID="{634EE2FF-E1AD-47D2-ACCC-A84CCECB66BF}" presName="connectorText" presStyleLbl="sibTrans2D1" presStyleIdx="2" presStyleCnt="3"/>
       <dgm:spPr/>
+      <dgm:t>
+        <a:bodyPr/>
+        <a:lstStyle/>
+        <a:p>
+          <a:endParaRPr lang="en-US"/>
+        </a:p>
+      </dgm:t>
     </dgm:pt>
     <dgm:pt modelId="{AA1D950E-2A95-4691-9A99-291009AE88AE}" type="pres">
       <dgm:prSet presAssocID="{001DFAE6-8AD1-4DCA-96A9-490937D73B7C}" presName="node" presStyleLbl="node1" presStyleIdx="3" presStyleCnt="4">
@@ -1156,6 +1203,13 @@
         </dgm:presLayoutVars>
       </dgm:prSet>
       <dgm:spPr/>
+      <dgm:t>
+        <a:bodyPr/>
+        <a:lstStyle/>
+        <a:p>
+          <a:endParaRPr lang="en-US"/>
+        </a:p>
+      </dgm:t>
     </dgm:pt>
   </dgm:ptLst>
   <dgm:cxnLst>
@@ -8817,15 +8871,7 @@
           <a:p>
             <a:r>
               <a:rPr lang="en-US" dirty="0"/>
-              <a:t>This Analysis concludes that the three best </a:t>
-            </a:r>
-            <a:r>
-              <a:rPr lang="en-US" dirty="0" err="1" smtClean="0"/>
-              <a:t>neighbourhoods</a:t>
-            </a:r>
-            <a:r>
-              <a:rPr lang="en-US" dirty="0" smtClean="0"/>
-              <a:t>, with more venues offer are; </a:t>
+              <a:t>This project concludes that the three best neighborhoods to due to the proximity of a large number and variety of venues are: </a:t>
             </a:r>
             <a:r>
               <a:rPr lang="en-US" dirty="0" err="1"/>
@@ -8849,21 +8895,46 @@
             </a:r>
             <a:r>
               <a:rPr lang="en-US" dirty="0"/>
-              <a:t> e Santo </a:t>
+              <a:t> and Santo Antonio</a:t>
+            </a:r>
+          </a:p>
+          <a:p>
+            <a:endParaRPr lang="en-US" dirty="0" smtClean="0"/>
+          </a:p>
+          <a:p>
+            <a:r>
+              <a:rPr lang="en-US" dirty="0"/>
+              <a:t>T</a:t>
             </a:r>
             <a:r>
               <a:rPr lang="en-US" dirty="0" smtClean="0"/>
-              <a:t>Antonio</a:t>
-            </a:r>
-          </a:p>
-          <a:p>
+              <a:t>he Models </a:t>
+            </a:r>
+            <a:r>
+              <a:rPr lang="en-US" dirty="0" smtClean="0"/>
+              <a:t>accuracy can be improved </a:t>
+            </a:r>
+            <a:r>
+              <a:rPr lang="en-US" dirty="0"/>
+              <a:t>by adding new datasets. </a:t>
+            </a:r>
+            <a:r>
+              <a:rPr lang="en-US"/>
+              <a:t>Some examples of datasets that can bring a lot of </a:t>
+            </a:r>
+            <a:r>
+              <a:rPr lang="en-US"/>
+              <a:t>valuable </a:t>
+            </a:r>
+            <a:r>
+              <a:rPr lang="en-US" smtClean="0"/>
+              <a:t>information</a:t>
+            </a:r>
+            <a:r>
+              <a:rPr lang="en-US" smtClean="0"/>
+              <a:t>:</a:t>
+            </a:r>
             <a:endParaRPr lang="en-US" dirty="0" smtClean="0"/>
-          </a:p>
-          <a:p>
-            <a:r>
-              <a:rPr lang="en-US" dirty="0" smtClean="0"/>
-              <a:t>Models accuracy can be improved with more data, as the evaluation of each value, and with other datasets like:</a:t>
-            </a:r>
           </a:p>
           <a:p>
             <a:pPr lvl="2"/>
@@ -9006,10 +9077,6 @@
             <a:r>
               <a:rPr lang="en-US" dirty="0"/>
               <a:t>With this project we intend to help the XPTO company to choose which neighborhood has the most potential based on the distribution of various facilities available around the neighborhood. This project will use K-mean clustering unsupervised machine learning algorithm to cluster the venues based on the place category such as restaurants, parks, gyms, theaters clubs etc... In order to give a better understanding of the similarities and dissimilarities between the chosen neighborhoods to retrieve more insights and to conclude with ease which neighborhood wins over other.</a:t>
-            </a:r>
-            <a:r>
-              <a:rPr lang="en-US" dirty="0"/>
-              <a:t/>
             </a:r>
             <a:br>
               <a:rPr lang="en-US" dirty="0"/>
@@ -9803,11 +9870,15 @@
           <a:p>
             <a:r>
               <a:rPr lang="pt-PT" dirty="0" err="1" smtClean="0"/>
-              <a:t>Silhoutte</a:t>
+              <a:t>Silhouette</a:t>
             </a:r>
             <a:r>
               <a:rPr lang="pt-PT" dirty="0" smtClean="0"/>
-              <a:t> Score</a:t>
+              <a:t> </a:t>
+            </a:r>
+            <a:r>
+              <a:rPr lang="pt-PT" dirty="0" smtClean="0"/>
+              <a:t>Score</a:t>
             </a:r>
             <a:endParaRPr lang="en-US" dirty="0"/>
           </a:p>

--- a/The Battle of Neighborhoods - Presentation.pptx
+++ b/The Battle of Neighborhoods - Presentation.pptx
@@ -8916,22 +8916,14 @@
             </a:r>
             <a:r>
               <a:rPr lang="en-US" dirty="0"/>
-              <a:t>by adding new datasets. </a:t>
-            </a:r>
-            <a:r>
-              <a:rPr lang="en-US"/>
-              <a:t>Some examples of datasets that can bring a lot of </a:t>
-            </a:r>
-            <a:r>
-              <a:rPr lang="en-US"/>
-              <a:t>valuable </a:t>
-            </a:r>
-            <a:r>
-              <a:rPr lang="en-US" smtClean="0"/>
+              <a:t>by adding new datasets. Some examples of datasets that can bring a lot of valuable </a:t>
+            </a:r>
+            <a:r>
+              <a:rPr lang="en-US" dirty="0" smtClean="0"/>
               <a:t>information</a:t>
             </a:r>
             <a:r>
-              <a:rPr lang="en-US" smtClean="0"/>
+              <a:rPr lang="en-US" dirty="0" smtClean="0"/>
               <a:t>:</a:t>
             </a:r>
             <a:endParaRPr lang="en-US" dirty="0" smtClean="0"/>
